--- a/当たり判定/箱VS円柱/円とAABBの当たり判定について.pptx
+++ b/当たり判定/箱VS円柱/円とAABBの当たり判定について.pptx
@@ -10,6 +10,7 @@
     <p:sldId id="258" r:id="rId4"/>
     <p:sldId id="259" r:id="rId5"/>
     <p:sldId id="260" r:id="rId6"/>
+    <p:sldId id="262" r:id="rId7"/>
   </p:sldIdLst>
   <p:sldSz cx="12192000" cy="6858000"/>
   <p:notesSz cx="6858000" cy="9144000"/>
@@ -6799,6 +6800,1146 @@
 </p:sld>
 </file>
 
+<file path=ppt/slides/slide6.xml><?xml version="1.0" encoding="utf-8"?>
+<p:sld xmlns:a="http://schemas.openxmlformats.org/drawingml/2006/main" xmlns:r="http://schemas.openxmlformats.org/officeDocument/2006/relationships" xmlns:p="http://schemas.openxmlformats.org/presentationml/2006/main">
+  <p:cSld>
+    <p:spTree>
+      <p:nvGrpSpPr>
+        <p:cNvPr id="1" name=""/>
+        <p:cNvGrpSpPr/>
+        <p:nvPr/>
+      </p:nvGrpSpPr>
+      <p:grpSpPr>
+        <a:xfrm>
+          <a:off x="0" y="0"/>
+          <a:ext cx="0" cy="0"/>
+          <a:chOff x="0" y="0"/>
+          <a:chExt cx="0" cy="0"/>
+        </a:xfrm>
+      </p:grpSpPr>
+      <p:sp>
+        <p:nvSpPr>
+          <p:cNvPr id="2" name="タイトル 1">
+            <a:extLst>
+              <a:ext uri="{FF2B5EF4-FFF2-40B4-BE49-F238E27FC236}">
+                <a16:creationId xmlns:a16="http://schemas.microsoft.com/office/drawing/2014/main" id="{1AFDE29E-D3CE-42A9-A976-1346B3C0A8DB}"/>
+              </a:ext>
+            </a:extLst>
+          </p:cNvPr>
+          <p:cNvSpPr>
+            <a:spLocks noGrp="1"/>
+          </p:cNvSpPr>
+          <p:nvPr>
+            <p:ph type="title"/>
+          </p:nvPr>
+        </p:nvSpPr>
+        <p:spPr/>
+        <p:txBody>
+          <a:bodyPr/>
+          <a:lstStyle/>
+          <a:p>
+            <a:r>
+              <a:rPr kumimoji="1" lang="ja-JP" altLang="en-US" dirty="0"/>
+              <a:t>４：応用（押し出し判定</a:t>
+            </a:r>
+            <a:r>
+              <a:rPr lang="ja-JP" altLang="en-US" dirty="0"/>
+              <a:t>）</a:t>
+            </a:r>
+            <a:endParaRPr kumimoji="1" lang="ja-JP" altLang="en-US" dirty="0"/>
+          </a:p>
+        </p:txBody>
+      </p:sp>
+      <p:sp>
+        <p:nvSpPr>
+          <p:cNvPr id="4" name="楕円 3">
+            <a:extLst>
+              <a:ext uri="{FF2B5EF4-FFF2-40B4-BE49-F238E27FC236}">
+                <a16:creationId xmlns:a16="http://schemas.microsoft.com/office/drawing/2014/main" id="{94EAADBF-574D-47F5-A1B5-1EA194F71420}"/>
+              </a:ext>
+            </a:extLst>
+          </p:cNvPr>
+          <p:cNvSpPr/>
+          <p:nvPr/>
+        </p:nvSpPr>
+        <p:spPr>
+          <a:xfrm>
+            <a:off x="4154618" y="3711075"/>
+            <a:ext cx="2191555" cy="2191555"/>
+          </a:xfrm>
+          <a:prstGeom prst="ellipse">
+            <a:avLst/>
+          </a:prstGeom>
+          <a:solidFill>
+            <a:srgbClr val="FF0000">
+              <a:alpha val="50000"/>
+            </a:srgbClr>
+          </a:solidFill>
+        </p:spPr>
+        <p:style>
+          <a:lnRef idx="2">
+            <a:schemeClr val="accent1">
+              <a:shade val="50000"/>
+            </a:schemeClr>
+          </a:lnRef>
+          <a:fillRef idx="1">
+            <a:schemeClr val="accent1"/>
+          </a:fillRef>
+          <a:effectRef idx="0">
+            <a:schemeClr val="accent1"/>
+          </a:effectRef>
+          <a:fontRef idx="minor">
+            <a:schemeClr val="lt1"/>
+          </a:fontRef>
+        </p:style>
+        <p:txBody>
+          <a:bodyPr rtlCol="0" anchor="ctr"/>
+          <a:lstStyle/>
+          <a:p>
+            <a:pPr algn="ctr"/>
+            <a:r>
+              <a:rPr lang="ja-JP" altLang="en-US" dirty="0"/>
+              <a:t>・</a:t>
+            </a:r>
+            <a:endParaRPr kumimoji="1" lang="ja-JP" altLang="en-US" dirty="0"/>
+          </a:p>
+        </p:txBody>
+      </p:sp>
+      <p:cxnSp>
+        <p:nvCxnSpPr>
+          <p:cNvPr id="7" name="直線矢印コネクタ 6">
+            <a:extLst>
+              <a:ext uri="{FF2B5EF4-FFF2-40B4-BE49-F238E27FC236}">
+                <a16:creationId xmlns:a16="http://schemas.microsoft.com/office/drawing/2014/main" id="{9F5285EE-D871-4C30-8EE0-ADC6590A8606}"/>
+              </a:ext>
+            </a:extLst>
+          </p:cNvPr>
+          <p:cNvCxnSpPr>
+            <a:cxnSpLocks/>
+          </p:cNvCxnSpPr>
+          <p:nvPr/>
+        </p:nvCxnSpPr>
+        <p:spPr>
+          <a:xfrm>
+            <a:off x="5250395" y="4806852"/>
+            <a:ext cx="1164008" cy="0"/>
+          </a:xfrm>
+          <a:prstGeom prst="straightConnector1">
+            <a:avLst/>
+          </a:prstGeom>
+          <a:ln w="38100">
+            <a:solidFill>
+              <a:srgbClr val="FFFF00"/>
+            </a:solidFill>
+            <a:headEnd type="triangle"/>
+            <a:tailEnd type="triangle"/>
+          </a:ln>
+        </p:spPr>
+        <p:style>
+          <a:lnRef idx="1">
+            <a:schemeClr val="accent1"/>
+          </a:lnRef>
+          <a:fillRef idx="0">
+            <a:schemeClr val="accent1"/>
+          </a:fillRef>
+          <a:effectRef idx="0">
+            <a:schemeClr val="accent1"/>
+          </a:effectRef>
+          <a:fontRef idx="minor">
+            <a:schemeClr val="tx1"/>
+          </a:fontRef>
+        </p:style>
+      </p:cxnSp>
+      <p:sp>
+        <p:nvSpPr>
+          <p:cNvPr id="5" name="正方形/長方形 4">
+            <a:extLst>
+              <a:ext uri="{FF2B5EF4-FFF2-40B4-BE49-F238E27FC236}">
+                <a16:creationId xmlns:a16="http://schemas.microsoft.com/office/drawing/2014/main" id="{4D349530-89B6-499F-8A0E-BE8DC9CF89A0}"/>
+              </a:ext>
+            </a:extLst>
+          </p:cNvPr>
+          <p:cNvSpPr/>
+          <p:nvPr/>
+        </p:nvSpPr>
+        <p:spPr>
+          <a:xfrm>
+            <a:off x="5902910" y="2689977"/>
+            <a:ext cx="2723882" cy="2665927"/>
+          </a:xfrm>
+          <a:prstGeom prst="rect">
+            <a:avLst/>
+          </a:prstGeom>
+          <a:solidFill>
+            <a:schemeClr val="accent1">
+              <a:alpha val="50000"/>
+            </a:schemeClr>
+          </a:solidFill>
+        </p:spPr>
+        <p:style>
+          <a:lnRef idx="2">
+            <a:schemeClr val="accent1">
+              <a:shade val="50000"/>
+            </a:schemeClr>
+          </a:lnRef>
+          <a:fillRef idx="1">
+            <a:schemeClr val="accent1"/>
+          </a:fillRef>
+          <a:effectRef idx="0">
+            <a:schemeClr val="accent1"/>
+          </a:effectRef>
+          <a:fontRef idx="minor">
+            <a:schemeClr val="lt1"/>
+          </a:fontRef>
+        </p:style>
+        <p:txBody>
+          <a:bodyPr rtlCol="0" anchor="ctr"/>
+          <a:lstStyle/>
+          <a:p>
+            <a:pPr algn="ctr"/>
+            <a:r>
+              <a:rPr kumimoji="1" lang="ja-JP" altLang="en-US" dirty="0"/>
+              <a:t>ブロック</a:t>
+            </a:r>
+          </a:p>
+        </p:txBody>
+      </p:sp>
+      <p:sp>
+        <p:nvSpPr>
+          <p:cNvPr id="9" name="テキスト ボックス 8">
+            <a:extLst>
+              <a:ext uri="{FF2B5EF4-FFF2-40B4-BE49-F238E27FC236}">
+                <a16:creationId xmlns:a16="http://schemas.microsoft.com/office/drawing/2014/main" id="{9762DD9A-9474-45F0-BF5F-7F1778F525DD}"/>
+              </a:ext>
+            </a:extLst>
+          </p:cNvPr>
+          <p:cNvSpPr txBox="1"/>
+          <p:nvPr/>
+        </p:nvSpPr>
+        <p:spPr>
+          <a:xfrm>
+            <a:off x="5513963" y="4911415"/>
+            <a:ext cx="572373" cy="369332"/>
+          </a:xfrm>
+          <a:prstGeom prst="rect">
+            <a:avLst/>
+          </a:prstGeom>
+          <a:noFill/>
+        </p:spPr>
+        <p:txBody>
+          <a:bodyPr wrap="square" rtlCol="0">
+            <a:spAutoFit/>
+          </a:bodyPr>
+          <a:lstStyle/>
+          <a:p>
+            <a:r>
+              <a:rPr kumimoji="1" lang="en-US" altLang="ja-JP" dirty="0">
+                <a:solidFill>
+                  <a:srgbClr val="FFFF00"/>
+                </a:solidFill>
+              </a:rPr>
+              <a:t>X</a:t>
+            </a:r>
+            <a:r>
+              <a:rPr kumimoji="1" lang="ja-JP" altLang="en-US" dirty="0">
+                <a:solidFill>
+                  <a:srgbClr val="FFFF00"/>
+                </a:solidFill>
+              </a:rPr>
+              <a:t>軸</a:t>
+            </a:r>
+          </a:p>
+        </p:txBody>
+      </p:sp>
+      <p:cxnSp>
+        <p:nvCxnSpPr>
+          <p:cNvPr id="13" name="直線矢印コネクタ 12">
+            <a:extLst>
+              <a:ext uri="{FF2B5EF4-FFF2-40B4-BE49-F238E27FC236}">
+                <a16:creationId xmlns:a16="http://schemas.microsoft.com/office/drawing/2014/main" id="{0FF1797E-D73A-4816-B6CC-BE6E0DED9C39}"/>
+              </a:ext>
+            </a:extLst>
+          </p:cNvPr>
+          <p:cNvCxnSpPr>
+            <a:cxnSpLocks/>
+          </p:cNvCxnSpPr>
+          <p:nvPr/>
+        </p:nvCxnSpPr>
+        <p:spPr>
+          <a:xfrm>
+            <a:off x="5220338" y="3711075"/>
+            <a:ext cx="0" cy="1095777"/>
+          </a:xfrm>
+          <a:prstGeom prst="straightConnector1">
+            <a:avLst/>
+          </a:prstGeom>
+          <a:ln w="38100">
+            <a:solidFill>
+              <a:srgbClr val="FFFF00"/>
+            </a:solidFill>
+            <a:headEnd type="triangle"/>
+            <a:tailEnd type="triangle"/>
+          </a:ln>
+        </p:spPr>
+        <p:style>
+          <a:lnRef idx="1">
+            <a:schemeClr val="accent1"/>
+          </a:lnRef>
+          <a:fillRef idx="0">
+            <a:schemeClr val="accent1"/>
+          </a:fillRef>
+          <a:effectRef idx="0">
+            <a:schemeClr val="accent1"/>
+          </a:effectRef>
+          <a:fontRef idx="minor">
+            <a:schemeClr val="tx1"/>
+          </a:fontRef>
+        </p:style>
+      </p:cxnSp>
+      <p:sp>
+        <p:nvSpPr>
+          <p:cNvPr id="15" name="吹き出し: 角を丸めた四角形 14">
+            <a:extLst>
+              <a:ext uri="{FF2B5EF4-FFF2-40B4-BE49-F238E27FC236}">
+                <a16:creationId xmlns:a16="http://schemas.microsoft.com/office/drawing/2014/main" id="{2673D083-301C-4CEC-BE2D-E00D859FDD62}"/>
+              </a:ext>
+            </a:extLst>
+          </p:cNvPr>
+          <p:cNvSpPr/>
+          <p:nvPr/>
+        </p:nvSpPr>
+        <p:spPr>
+          <a:xfrm>
+            <a:off x="656397" y="1531499"/>
+            <a:ext cx="2536447" cy="628214"/>
+          </a:xfrm>
+          <a:prstGeom prst="wedgeRoundRectCallout">
+            <a:avLst>
+              <a:gd name="adj1" fmla="val 57597"/>
+              <a:gd name="adj2" fmla="val 421389"/>
+              <a:gd name="adj3" fmla="val 16667"/>
+            </a:avLst>
+          </a:prstGeom>
+          <a:solidFill>
+            <a:srgbClr val="FF0000"/>
+          </a:solidFill>
+        </p:spPr>
+        <p:style>
+          <a:lnRef idx="2">
+            <a:schemeClr val="accent1">
+              <a:shade val="50000"/>
+            </a:schemeClr>
+          </a:lnRef>
+          <a:fillRef idx="1">
+            <a:schemeClr val="accent1"/>
+          </a:fillRef>
+          <a:effectRef idx="0">
+            <a:schemeClr val="accent1"/>
+          </a:effectRef>
+          <a:fontRef idx="minor">
+            <a:schemeClr val="lt1"/>
+          </a:fontRef>
+        </p:style>
+        <p:txBody>
+          <a:bodyPr rtlCol="0" anchor="ctr"/>
+          <a:lstStyle/>
+          <a:p>
+            <a:pPr algn="ctr"/>
+            <a:r>
+              <a:rPr lang="ja-JP" altLang="en-US" dirty="0"/>
+              <a:t>最近接点</a:t>
+            </a:r>
+            <a:endParaRPr kumimoji="1" lang="ja-JP" altLang="en-US" dirty="0"/>
+          </a:p>
+        </p:txBody>
+      </p:sp>
+      <p:sp>
+        <p:nvSpPr>
+          <p:cNvPr id="16" name="テキスト ボックス 15">
+            <a:extLst>
+              <a:ext uri="{FF2B5EF4-FFF2-40B4-BE49-F238E27FC236}">
+                <a16:creationId xmlns:a16="http://schemas.microsoft.com/office/drawing/2014/main" id="{2D450D89-2853-4254-82A7-AFA97A5843B7}"/>
+              </a:ext>
+            </a:extLst>
+          </p:cNvPr>
+          <p:cNvSpPr txBox="1"/>
+          <p:nvPr/>
+        </p:nvSpPr>
+        <p:spPr>
+          <a:xfrm>
+            <a:off x="8774052" y="2743200"/>
+            <a:ext cx="2861863" cy="923330"/>
+          </a:xfrm>
+          <a:prstGeom prst="rect">
+            <a:avLst/>
+          </a:prstGeom>
+          <a:noFill/>
+        </p:spPr>
+        <p:txBody>
+          <a:bodyPr wrap="square" rtlCol="0">
+            <a:spAutoFit/>
+          </a:bodyPr>
+          <a:lstStyle/>
+          <a:p>
+            <a:r>
+              <a:rPr lang="ja-JP" altLang="en-US" dirty="0">
+                <a:solidFill>
+                  <a:srgbClr val="FF0000"/>
+                </a:solidFill>
+                <a:latin typeface="BIZ UDPゴシック" panose="020B0400000000000000" pitchFamily="50" charset="-128"/>
+                <a:ea typeface="BIZ UDPゴシック" panose="020B0400000000000000" pitchFamily="50" charset="-128"/>
+              </a:rPr>
+              <a:t>半径よりも最近接点との距離が短い</a:t>
+            </a:r>
+            <a:r>
+              <a:rPr lang="ja-JP" altLang="en-US" dirty="0"/>
+              <a:t>ので、当たっている</a:t>
+            </a:r>
+            <a:endParaRPr kumimoji="1" lang="ja-JP" altLang="en-US" dirty="0"/>
+          </a:p>
+        </p:txBody>
+      </p:sp>
+      <p:sp>
+        <p:nvSpPr>
+          <p:cNvPr id="20" name="テキスト ボックス 19">
+            <a:extLst>
+              <a:ext uri="{FF2B5EF4-FFF2-40B4-BE49-F238E27FC236}">
+                <a16:creationId xmlns:a16="http://schemas.microsoft.com/office/drawing/2014/main" id="{E01810B6-1C20-4383-97CC-B773D18A97CA}"/>
+              </a:ext>
+            </a:extLst>
+          </p:cNvPr>
+          <p:cNvSpPr txBox="1"/>
+          <p:nvPr/>
+        </p:nvSpPr>
+        <p:spPr>
+          <a:xfrm>
+            <a:off x="4370613" y="4406092"/>
+            <a:ext cx="572373" cy="369332"/>
+          </a:xfrm>
+          <a:prstGeom prst="rect">
+            <a:avLst/>
+          </a:prstGeom>
+          <a:noFill/>
+        </p:spPr>
+        <p:txBody>
+          <a:bodyPr wrap="square" rtlCol="0">
+            <a:spAutoFit/>
+          </a:bodyPr>
+          <a:lstStyle/>
+          <a:p>
+            <a:r>
+              <a:rPr lang="en-US" altLang="ja-JP" dirty="0">
+                <a:solidFill>
+                  <a:srgbClr val="FFFF00"/>
+                </a:solidFill>
+              </a:rPr>
+              <a:t>Z</a:t>
+            </a:r>
+            <a:r>
+              <a:rPr kumimoji="1" lang="ja-JP" altLang="en-US" dirty="0">
+                <a:solidFill>
+                  <a:srgbClr val="FFFF00"/>
+                </a:solidFill>
+              </a:rPr>
+              <a:t>軸</a:t>
+            </a:r>
+          </a:p>
+        </p:txBody>
+      </p:sp>
+      <p:cxnSp>
+        <p:nvCxnSpPr>
+          <p:cNvPr id="22" name="直線矢印コネクタ 21">
+            <a:extLst>
+              <a:ext uri="{FF2B5EF4-FFF2-40B4-BE49-F238E27FC236}">
+                <a16:creationId xmlns:a16="http://schemas.microsoft.com/office/drawing/2014/main" id="{117B46D6-E5D1-448F-AF6E-0871166827C2}"/>
+              </a:ext>
+            </a:extLst>
+          </p:cNvPr>
+          <p:cNvCxnSpPr>
+            <a:cxnSpLocks/>
+          </p:cNvCxnSpPr>
+          <p:nvPr/>
+        </p:nvCxnSpPr>
+        <p:spPr>
+          <a:xfrm>
+            <a:off x="5220338" y="4453908"/>
+            <a:ext cx="696383" cy="0"/>
+          </a:xfrm>
+          <a:prstGeom prst="straightConnector1">
+            <a:avLst/>
+          </a:prstGeom>
+          <a:ln w="38100">
+            <a:solidFill>
+              <a:schemeClr val="tx1"/>
+            </a:solidFill>
+            <a:prstDash val="sysDash"/>
+            <a:headEnd type="triangle"/>
+            <a:tailEnd type="triangle"/>
+          </a:ln>
+        </p:spPr>
+        <p:style>
+          <a:lnRef idx="1">
+            <a:schemeClr val="accent1"/>
+          </a:lnRef>
+          <a:fillRef idx="0">
+            <a:schemeClr val="accent1"/>
+          </a:fillRef>
+          <a:effectRef idx="0">
+            <a:schemeClr val="accent1"/>
+          </a:effectRef>
+          <a:fontRef idx="minor">
+            <a:schemeClr val="tx1"/>
+          </a:fontRef>
+        </p:style>
+      </p:cxnSp>
+      <p:sp>
+        <p:nvSpPr>
+          <p:cNvPr id="28" name="楕円 27">
+            <a:extLst>
+              <a:ext uri="{FF2B5EF4-FFF2-40B4-BE49-F238E27FC236}">
+                <a16:creationId xmlns:a16="http://schemas.microsoft.com/office/drawing/2014/main" id="{54F81991-4FA2-4325-9027-C0876E459E9A}"/>
+              </a:ext>
+            </a:extLst>
+          </p:cNvPr>
+          <p:cNvSpPr/>
+          <p:nvPr/>
+        </p:nvSpPr>
+        <p:spPr>
+          <a:xfrm>
+            <a:off x="5838999" y="4363677"/>
+            <a:ext cx="169707" cy="169707"/>
+          </a:xfrm>
+          <a:prstGeom prst="ellipse">
+            <a:avLst/>
+          </a:prstGeom>
+          <a:solidFill>
+            <a:srgbClr val="FFFF00"/>
+          </a:solidFill>
+          <a:ln w="38100">
+            <a:solidFill>
+              <a:schemeClr val="tx1"/>
+            </a:solidFill>
+          </a:ln>
+        </p:spPr>
+        <p:style>
+          <a:lnRef idx="2">
+            <a:schemeClr val="accent1">
+              <a:shade val="50000"/>
+            </a:schemeClr>
+          </a:lnRef>
+          <a:fillRef idx="1">
+            <a:schemeClr val="accent1"/>
+          </a:fillRef>
+          <a:effectRef idx="0">
+            <a:schemeClr val="accent1"/>
+          </a:effectRef>
+          <a:fontRef idx="minor">
+            <a:schemeClr val="lt1"/>
+          </a:fontRef>
+        </p:style>
+        <p:txBody>
+          <a:bodyPr rtlCol="0" anchor="ctr"/>
+          <a:lstStyle/>
+          <a:p>
+            <a:pPr algn="ctr"/>
+            <a:endParaRPr kumimoji="1" lang="ja-JP" altLang="en-US"/>
+          </a:p>
+        </p:txBody>
+      </p:sp>
+      <p:cxnSp>
+        <p:nvCxnSpPr>
+          <p:cNvPr id="29" name="直線矢印コネクタ 28">
+            <a:extLst>
+              <a:ext uri="{FF2B5EF4-FFF2-40B4-BE49-F238E27FC236}">
+                <a16:creationId xmlns:a16="http://schemas.microsoft.com/office/drawing/2014/main" id="{3D28F2B6-EE0F-4FCD-BD2D-D16EC8F5105A}"/>
+              </a:ext>
+            </a:extLst>
+          </p:cNvPr>
+          <p:cNvCxnSpPr>
+            <a:cxnSpLocks/>
+          </p:cNvCxnSpPr>
+          <p:nvPr/>
+        </p:nvCxnSpPr>
+        <p:spPr>
+          <a:xfrm>
+            <a:off x="5229550" y="4590758"/>
+            <a:ext cx="673360" cy="0"/>
+          </a:xfrm>
+          <a:prstGeom prst="straightConnector1">
+            <a:avLst/>
+          </a:prstGeom>
+          <a:ln w="38100">
+            <a:solidFill>
+              <a:srgbClr val="FF0000"/>
+            </a:solidFill>
+            <a:prstDash val="solid"/>
+            <a:headEnd type="triangle"/>
+            <a:tailEnd type="triangle"/>
+          </a:ln>
+        </p:spPr>
+        <p:style>
+          <a:lnRef idx="1">
+            <a:schemeClr val="accent1"/>
+          </a:lnRef>
+          <a:fillRef idx="0">
+            <a:schemeClr val="accent1"/>
+          </a:fillRef>
+          <a:effectRef idx="0">
+            <a:schemeClr val="accent1"/>
+          </a:effectRef>
+          <a:fontRef idx="minor">
+            <a:schemeClr val="tx1"/>
+          </a:fontRef>
+        </p:style>
+      </p:cxnSp>
+      <p:sp>
+        <p:nvSpPr>
+          <p:cNvPr id="37" name="正方形/長方形 36">
+            <a:extLst>
+              <a:ext uri="{FF2B5EF4-FFF2-40B4-BE49-F238E27FC236}">
+                <a16:creationId xmlns:a16="http://schemas.microsoft.com/office/drawing/2014/main" id="{8F14F3D4-85B1-4EB9-A6B7-91BD9796060C}"/>
+              </a:ext>
+            </a:extLst>
+          </p:cNvPr>
+          <p:cNvSpPr/>
+          <p:nvPr/>
+        </p:nvSpPr>
+        <p:spPr>
+          <a:xfrm>
+            <a:off x="325789" y="4185519"/>
+            <a:ext cx="2389490" cy="1416971"/>
+          </a:xfrm>
+          <a:prstGeom prst="rect">
+            <a:avLst/>
+          </a:prstGeom>
+          <a:solidFill>
+            <a:schemeClr val="tx1"/>
+          </a:solidFill>
+        </p:spPr>
+        <p:style>
+          <a:lnRef idx="2">
+            <a:schemeClr val="accent1">
+              <a:shade val="50000"/>
+            </a:schemeClr>
+          </a:lnRef>
+          <a:fillRef idx="1">
+            <a:schemeClr val="accent1"/>
+          </a:fillRef>
+          <a:effectRef idx="0">
+            <a:schemeClr val="accent1"/>
+          </a:effectRef>
+          <a:fontRef idx="minor">
+            <a:schemeClr val="lt1"/>
+          </a:fontRef>
+        </p:style>
+        <p:txBody>
+          <a:bodyPr rtlCol="0" anchor="t"/>
+          <a:lstStyle/>
+          <a:p>
+            <a:pPr algn="ctr"/>
+            <a:r>
+              <a:rPr kumimoji="1" lang="ja-JP" altLang="en-US" dirty="0"/>
+              <a:t>半径よりも</a:t>
+            </a:r>
+            <a:r>
+              <a:rPr lang="ja-JP" altLang="en-US" dirty="0"/>
+              <a:t>最近</a:t>
+            </a:r>
+            <a:r>
+              <a:rPr kumimoji="1" lang="ja-JP" altLang="en-US" dirty="0"/>
+              <a:t>接点との距離が</a:t>
+            </a:r>
+            <a:r>
+              <a:rPr lang="ja-JP" altLang="en-US" dirty="0"/>
+              <a:t>短い</a:t>
+            </a:r>
+            <a:endParaRPr kumimoji="1" lang="ja-JP" altLang="en-US" dirty="0"/>
+          </a:p>
+        </p:txBody>
+      </p:sp>
+      <p:cxnSp>
+        <p:nvCxnSpPr>
+          <p:cNvPr id="39" name="直線矢印コネクタ 38">
+            <a:extLst>
+              <a:ext uri="{FF2B5EF4-FFF2-40B4-BE49-F238E27FC236}">
+                <a16:creationId xmlns:a16="http://schemas.microsoft.com/office/drawing/2014/main" id="{E521AEBD-8495-4B3F-8246-B423F6A8C409}"/>
+              </a:ext>
+            </a:extLst>
+          </p:cNvPr>
+          <p:cNvCxnSpPr>
+            <a:cxnSpLocks/>
+          </p:cNvCxnSpPr>
+          <p:nvPr/>
+        </p:nvCxnSpPr>
+        <p:spPr>
+          <a:xfrm>
+            <a:off x="445202" y="5284299"/>
+            <a:ext cx="1164008" cy="0"/>
+          </a:xfrm>
+          <a:prstGeom prst="straightConnector1">
+            <a:avLst/>
+          </a:prstGeom>
+          <a:ln w="38100">
+            <a:solidFill>
+              <a:srgbClr val="FFFF00"/>
+            </a:solidFill>
+            <a:headEnd type="triangle"/>
+            <a:tailEnd type="triangle"/>
+          </a:ln>
+        </p:spPr>
+        <p:style>
+          <a:lnRef idx="1">
+            <a:schemeClr val="accent1"/>
+          </a:lnRef>
+          <a:fillRef idx="0">
+            <a:schemeClr val="accent1"/>
+          </a:fillRef>
+          <a:effectRef idx="0">
+            <a:schemeClr val="accent1"/>
+          </a:effectRef>
+          <a:fontRef idx="minor">
+            <a:schemeClr val="tx1"/>
+          </a:fontRef>
+        </p:style>
+      </p:cxnSp>
+      <p:sp>
+        <p:nvSpPr>
+          <p:cNvPr id="32" name="吹き出し: 角を丸めた四角形 31">
+            <a:extLst>
+              <a:ext uri="{FF2B5EF4-FFF2-40B4-BE49-F238E27FC236}">
+                <a16:creationId xmlns:a16="http://schemas.microsoft.com/office/drawing/2014/main" id="{88F2C025-FD91-44A6-AAD7-66AC369ECE72}"/>
+              </a:ext>
+            </a:extLst>
+          </p:cNvPr>
+          <p:cNvSpPr/>
+          <p:nvPr/>
+        </p:nvSpPr>
+        <p:spPr>
+          <a:xfrm>
+            <a:off x="8158874" y="5791937"/>
+            <a:ext cx="2536447" cy="628214"/>
+          </a:xfrm>
+          <a:prstGeom prst="wedgeRoundRectCallout">
+            <a:avLst>
+              <a:gd name="adj1" fmla="val -149900"/>
+              <a:gd name="adj2" fmla="val -240833"/>
+              <a:gd name="adj3" fmla="val 16667"/>
+            </a:avLst>
+          </a:prstGeom>
+          <a:solidFill>
+            <a:srgbClr val="7030A0"/>
+          </a:solidFill>
+        </p:spPr>
+        <p:style>
+          <a:lnRef idx="2">
+            <a:schemeClr val="accent1">
+              <a:shade val="50000"/>
+            </a:schemeClr>
+          </a:lnRef>
+          <a:fillRef idx="1">
+            <a:schemeClr val="accent1"/>
+          </a:fillRef>
+          <a:effectRef idx="0">
+            <a:schemeClr val="accent1"/>
+          </a:effectRef>
+          <a:fontRef idx="minor">
+            <a:schemeClr val="lt1"/>
+          </a:fontRef>
+        </p:style>
+        <p:txBody>
+          <a:bodyPr rtlCol="0" anchor="ctr"/>
+          <a:lstStyle/>
+          <a:p>
+            <a:pPr algn="ctr"/>
+            <a:r>
+              <a:rPr lang="ja-JP" altLang="en-US" dirty="0"/>
+              <a:t>最近接点との距離</a:t>
+            </a:r>
+            <a:endParaRPr kumimoji="1" lang="ja-JP" altLang="en-US" dirty="0"/>
+          </a:p>
+        </p:txBody>
+      </p:sp>
+      <p:cxnSp>
+        <p:nvCxnSpPr>
+          <p:cNvPr id="33" name="直線矢印コネクタ 32">
+            <a:extLst>
+              <a:ext uri="{FF2B5EF4-FFF2-40B4-BE49-F238E27FC236}">
+                <a16:creationId xmlns:a16="http://schemas.microsoft.com/office/drawing/2014/main" id="{BA204937-C055-4531-8C34-C0EE168E91BC}"/>
+              </a:ext>
+            </a:extLst>
+          </p:cNvPr>
+          <p:cNvCxnSpPr>
+            <a:cxnSpLocks/>
+          </p:cNvCxnSpPr>
+          <p:nvPr/>
+        </p:nvCxnSpPr>
+        <p:spPr>
+          <a:xfrm>
+            <a:off x="445202" y="5085099"/>
+            <a:ext cx="822692" cy="0"/>
+          </a:xfrm>
+          <a:prstGeom prst="straightConnector1">
+            <a:avLst/>
+          </a:prstGeom>
+          <a:ln w="38100">
+            <a:solidFill>
+              <a:srgbClr val="FF0000"/>
+            </a:solidFill>
+            <a:prstDash val="solid"/>
+            <a:headEnd type="triangle"/>
+            <a:tailEnd type="triangle"/>
+          </a:ln>
+        </p:spPr>
+        <p:style>
+          <a:lnRef idx="1">
+            <a:schemeClr val="accent1"/>
+          </a:lnRef>
+          <a:fillRef idx="0">
+            <a:schemeClr val="accent1"/>
+          </a:fillRef>
+          <a:effectRef idx="0">
+            <a:schemeClr val="accent1"/>
+          </a:effectRef>
+          <a:fontRef idx="minor">
+            <a:schemeClr val="tx1"/>
+          </a:fontRef>
+        </p:style>
+      </p:cxnSp>
+      <p:cxnSp>
+        <p:nvCxnSpPr>
+          <p:cNvPr id="41" name="直線矢印コネクタ 40">
+            <a:extLst>
+              <a:ext uri="{FF2B5EF4-FFF2-40B4-BE49-F238E27FC236}">
+                <a16:creationId xmlns:a16="http://schemas.microsoft.com/office/drawing/2014/main" id="{F8E020C4-6848-4C55-8010-71922F97AE2B}"/>
+              </a:ext>
+            </a:extLst>
+          </p:cNvPr>
+          <p:cNvCxnSpPr>
+            <a:cxnSpLocks/>
+          </p:cNvCxnSpPr>
+          <p:nvPr/>
+        </p:nvCxnSpPr>
+        <p:spPr>
+          <a:xfrm>
+            <a:off x="1275670" y="5085099"/>
+            <a:ext cx="333540" cy="0"/>
+          </a:xfrm>
+          <a:prstGeom prst="straightConnector1">
+            <a:avLst/>
+          </a:prstGeom>
+          <a:ln w="19050">
+            <a:solidFill>
+              <a:srgbClr val="00B0F0"/>
+            </a:solidFill>
+            <a:prstDash val="sysDash"/>
+            <a:headEnd type="triangle"/>
+            <a:tailEnd type="triangle"/>
+          </a:ln>
+        </p:spPr>
+        <p:style>
+          <a:lnRef idx="1">
+            <a:schemeClr val="accent1"/>
+          </a:lnRef>
+          <a:fillRef idx="0">
+            <a:schemeClr val="accent1"/>
+          </a:fillRef>
+          <a:effectRef idx="0">
+            <a:schemeClr val="accent1"/>
+          </a:effectRef>
+          <a:fontRef idx="minor">
+            <a:schemeClr val="tx1"/>
+          </a:fontRef>
+        </p:style>
+      </p:cxnSp>
+      <p:cxnSp>
+        <p:nvCxnSpPr>
+          <p:cNvPr id="35" name="直線矢印コネクタ 34">
+            <a:extLst>
+              <a:ext uri="{FF2B5EF4-FFF2-40B4-BE49-F238E27FC236}">
+                <a16:creationId xmlns:a16="http://schemas.microsoft.com/office/drawing/2014/main" id="{97B88A81-E9B1-4EAD-A601-173537C2C2D0}"/>
+              </a:ext>
+            </a:extLst>
+          </p:cNvPr>
+          <p:cNvCxnSpPr>
+            <a:cxnSpLocks/>
+          </p:cNvCxnSpPr>
+          <p:nvPr/>
+        </p:nvCxnSpPr>
+        <p:spPr>
+          <a:xfrm>
+            <a:off x="5832399" y="4592995"/>
+            <a:ext cx="513774" cy="0"/>
+          </a:xfrm>
+          <a:prstGeom prst="straightConnector1">
+            <a:avLst/>
+          </a:prstGeom>
+          <a:ln w="19050">
+            <a:solidFill>
+              <a:schemeClr val="bg1"/>
+            </a:solidFill>
+            <a:prstDash val="sysDash"/>
+            <a:headEnd type="triangle"/>
+            <a:tailEnd type="triangle"/>
+          </a:ln>
+        </p:spPr>
+        <p:style>
+          <a:lnRef idx="1">
+            <a:schemeClr val="accent1"/>
+          </a:lnRef>
+          <a:fillRef idx="0">
+            <a:schemeClr val="accent1"/>
+          </a:fillRef>
+          <a:effectRef idx="0">
+            <a:schemeClr val="accent1"/>
+          </a:effectRef>
+          <a:fontRef idx="minor">
+            <a:schemeClr val="tx1"/>
+          </a:fontRef>
+        </p:style>
+      </p:cxnSp>
+      <p:cxnSp>
+        <p:nvCxnSpPr>
+          <p:cNvPr id="34" name="直線コネクタ 33">
+            <a:extLst>
+              <a:ext uri="{FF2B5EF4-FFF2-40B4-BE49-F238E27FC236}">
+                <a16:creationId xmlns:a16="http://schemas.microsoft.com/office/drawing/2014/main" id="{6D959A9B-9B6D-49EE-BA1D-08CB5C5E0D02}"/>
+              </a:ext>
+            </a:extLst>
+          </p:cNvPr>
+          <p:cNvCxnSpPr>
+            <a:cxnSpLocks/>
+          </p:cNvCxnSpPr>
+          <p:nvPr/>
+        </p:nvCxnSpPr>
+        <p:spPr>
+          <a:xfrm>
+            <a:off x="6346173" y="4185519"/>
+            <a:ext cx="0" cy="678707"/>
+          </a:xfrm>
+          <a:prstGeom prst="line">
+            <a:avLst/>
+          </a:prstGeom>
+          <a:ln w="31750">
+            <a:solidFill>
+              <a:schemeClr val="bg1"/>
+            </a:solidFill>
+            <a:prstDash val="sysDot"/>
+          </a:ln>
+        </p:spPr>
+        <p:style>
+          <a:lnRef idx="1">
+            <a:schemeClr val="accent1"/>
+          </a:lnRef>
+          <a:fillRef idx="0">
+            <a:schemeClr val="accent1"/>
+          </a:fillRef>
+          <a:effectRef idx="0">
+            <a:schemeClr val="accent1"/>
+          </a:effectRef>
+          <a:fontRef idx="minor">
+            <a:schemeClr val="tx1"/>
+          </a:fontRef>
+        </p:style>
+      </p:cxnSp>
+      <p:cxnSp>
+        <p:nvCxnSpPr>
+          <p:cNvPr id="38" name="直線矢印コネクタ 37">
+            <a:extLst>
+              <a:ext uri="{FF2B5EF4-FFF2-40B4-BE49-F238E27FC236}">
+                <a16:creationId xmlns:a16="http://schemas.microsoft.com/office/drawing/2014/main" id="{A9944849-E92A-4670-9E0C-1022B10C9AA5}"/>
+              </a:ext>
+            </a:extLst>
+          </p:cNvPr>
+          <p:cNvCxnSpPr>
+            <a:cxnSpLocks/>
+          </p:cNvCxnSpPr>
+          <p:nvPr/>
+        </p:nvCxnSpPr>
+        <p:spPr>
+          <a:xfrm flipH="1">
+            <a:off x="5839663" y="4185519"/>
+            <a:ext cx="506510" cy="0"/>
+          </a:xfrm>
+          <a:prstGeom prst="straightConnector1">
+            <a:avLst/>
+          </a:prstGeom>
+          <a:ln w="50800">
+            <a:solidFill>
+              <a:srgbClr val="FFFF00">
+                <a:alpha val="99000"/>
+              </a:srgbClr>
+            </a:solidFill>
+            <a:tailEnd type="triangle"/>
+          </a:ln>
+        </p:spPr>
+        <p:style>
+          <a:lnRef idx="1">
+            <a:schemeClr val="accent1"/>
+          </a:lnRef>
+          <a:fillRef idx="0">
+            <a:schemeClr val="accent1"/>
+          </a:fillRef>
+          <a:effectRef idx="0">
+            <a:schemeClr val="accent1"/>
+          </a:effectRef>
+          <a:fontRef idx="minor">
+            <a:schemeClr val="tx1"/>
+          </a:fontRef>
+        </p:style>
+      </p:cxnSp>
+      <p:sp>
+        <p:nvSpPr>
+          <p:cNvPr id="45" name="吹き出し: 角を丸めた四角形 44">
+            <a:extLst>
+              <a:ext uri="{FF2B5EF4-FFF2-40B4-BE49-F238E27FC236}">
+                <a16:creationId xmlns:a16="http://schemas.microsoft.com/office/drawing/2014/main" id="{5557FB87-F9DE-4660-93DD-CED806A2C594}"/>
+              </a:ext>
+            </a:extLst>
+          </p:cNvPr>
+          <p:cNvSpPr/>
+          <p:nvPr/>
+        </p:nvSpPr>
+        <p:spPr>
+          <a:xfrm>
+            <a:off x="3809726" y="2286742"/>
+            <a:ext cx="2536447" cy="628214"/>
+          </a:xfrm>
+          <a:prstGeom prst="wedgeRoundRectCallout">
+            <a:avLst>
+              <a:gd name="adj1" fmla="val -140543"/>
+              <a:gd name="adj2" fmla="val 386945"/>
+              <a:gd name="adj3" fmla="val 16667"/>
+            </a:avLst>
+          </a:prstGeom>
+          <a:solidFill>
+            <a:srgbClr val="FFFF00"/>
+          </a:solidFill>
+        </p:spPr>
+        <p:style>
+          <a:lnRef idx="2">
+            <a:schemeClr val="accent1">
+              <a:shade val="50000"/>
+            </a:schemeClr>
+          </a:lnRef>
+          <a:fillRef idx="1">
+            <a:schemeClr val="accent1"/>
+          </a:fillRef>
+          <a:effectRef idx="0">
+            <a:schemeClr val="accent1"/>
+          </a:effectRef>
+          <a:fontRef idx="minor">
+            <a:schemeClr val="lt1"/>
+          </a:fontRef>
+        </p:style>
+        <p:txBody>
+          <a:bodyPr rtlCol="0" anchor="ctr"/>
+          <a:lstStyle/>
+          <a:p>
+            <a:pPr algn="ctr"/>
+            <a:r>
+              <a:rPr lang="ja-JP" altLang="en-US" dirty="0"/>
+              <a:t>最近接点との距離</a:t>
+            </a:r>
+            <a:endParaRPr kumimoji="1" lang="ja-JP" altLang="en-US" dirty="0"/>
+          </a:p>
+        </p:txBody>
+      </p:sp>
+      <p:sp>
+        <p:nvSpPr>
+          <p:cNvPr id="46" name="吹き出し: 角を丸めた四角形 45">
+            <a:extLst>
+              <a:ext uri="{FF2B5EF4-FFF2-40B4-BE49-F238E27FC236}">
+                <a16:creationId xmlns:a16="http://schemas.microsoft.com/office/drawing/2014/main" id="{9B8E97F8-C97E-403B-BFF5-2F1CB0E08E19}"/>
+              </a:ext>
+            </a:extLst>
+          </p:cNvPr>
+          <p:cNvSpPr/>
+          <p:nvPr/>
+        </p:nvSpPr>
+        <p:spPr>
+          <a:xfrm>
+            <a:off x="3799446" y="2284506"/>
+            <a:ext cx="2536447" cy="628214"/>
+          </a:xfrm>
+          <a:prstGeom prst="wedgeRoundRectCallout">
+            <a:avLst>
+              <a:gd name="adj1" fmla="val 41636"/>
+              <a:gd name="adj2" fmla="val 243612"/>
+              <a:gd name="adj3" fmla="val 16667"/>
+            </a:avLst>
+          </a:prstGeom>
+          <a:solidFill>
+            <a:srgbClr val="FFFF00"/>
+          </a:solidFill>
+        </p:spPr>
+        <p:style>
+          <a:lnRef idx="2">
+            <a:schemeClr val="accent1">
+              <a:shade val="50000"/>
+            </a:schemeClr>
+          </a:lnRef>
+          <a:fillRef idx="1">
+            <a:schemeClr val="accent1"/>
+          </a:fillRef>
+          <a:effectRef idx="0">
+            <a:schemeClr val="accent1"/>
+          </a:effectRef>
+          <a:fontRef idx="minor">
+            <a:schemeClr val="lt1"/>
+          </a:fontRef>
+        </p:style>
+        <p:txBody>
+          <a:bodyPr rtlCol="0" anchor="ctr"/>
+          <a:lstStyle/>
+          <a:p>
+            <a:pPr algn="ctr"/>
+            <a:r>
+              <a:rPr lang="ja-JP" altLang="en-US" dirty="0">
+                <a:solidFill>
+                  <a:schemeClr val="tx1"/>
+                </a:solidFill>
+              </a:rPr>
+              <a:t>半径と最近点との</a:t>
+            </a:r>
+            <a:r>
+              <a:rPr lang="ja-JP" altLang="en-US" dirty="0">
+                <a:solidFill>
+                  <a:srgbClr val="FF0000"/>
+                </a:solidFill>
+                <a:latin typeface="BIZ UDPゴシック" panose="020B0400000000000000" pitchFamily="50" charset="-128"/>
+                <a:ea typeface="BIZ UDPゴシック" panose="020B0400000000000000" pitchFamily="50" charset="-128"/>
+              </a:rPr>
+              <a:t>距離の差分だけ</a:t>
+            </a:r>
+            <a:r>
+              <a:rPr lang="ja-JP" altLang="en-US" dirty="0">
+                <a:solidFill>
+                  <a:schemeClr val="tx1"/>
+                </a:solidFill>
+              </a:rPr>
+              <a:t>押し出す</a:t>
+            </a:r>
+            <a:endParaRPr kumimoji="1" lang="ja-JP" altLang="en-US" dirty="0">
+              <a:solidFill>
+                <a:schemeClr val="tx1"/>
+              </a:solidFill>
+            </a:endParaRPr>
+          </a:p>
+        </p:txBody>
+      </p:sp>
+    </p:spTree>
+    <p:extLst>
+      <p:ext uri="{BB962C8B-B14F-4D97-AF65-F5344CB8AC3E}">
+        <p14:creationId xmlns:p14="http://schemas.microsoft.com/office/powerpoint/2010/main" val="2432922129"/>
+      </p:ext>
+    </p:extLst>
+  </p:cSld>
+  <p:clrMapOvr>
+    <a:masterClrMapping/>
+  </p:clrMapOvr>
+</p:sld>
+</file>
+
 <file path=ppt/theme/theme1.xml><?xml version="1.0" encoding="utf-8"?>
 <a:theme xmlns:a="http://schemas.openxmlformats.org/drawingml/2006/main" name="Office テーマ">
   <a:themeElements>
